--- a/EH/pic-comb.pptx
+++ b/EH/pic-comb.pptx
@@ -105,6 +105,11 @@
       </a:defRPr>
     </a:lvl9pPr>
   </p:defaultTextStyle>
+  <p:extLst>
+    <p:ext uri="{EFAFB233-063F-42B5-8137-9DF3F51BA10A}">
+      <p15:sldGuideLst xmlns:p15="http://schemas.microsoft.com/office/powerpoint/2012/main"/>
+    </p:ext>
+  </p:extLst>
 </p:presentation>
 </file>
 
@@ -3423,7 +3428,7 @@
           <a:bodyPr/>
           <a:lstStyle/>
           <a:p>
-            <a:endParaRPr lang="en-US"/>
+            <a:endParaRPr lang="en-US" dirty="0"/>
           </a:p>
         </p:txBody>
       </p:sp>
@@ -3466,10 +3471,10 @@
         </p:nvGrpSpPr>
         <p:grpSpPr>
           <a:xfrm>
-            <a:off x="838199" y="1822312"/>
-            <a:ext cx="9242530" cy="3657738"/>
-            <a:chOff x="838199" y="1822312"/>
-            <a:chExt cx="9242530" cy="3657738"/>
+            <a:off x="838200" y="1825625"/>
+            <a:ext cx="9937751" cy="3657738"/>
+            <a:chOff x="901700" y="1825625"/>
+            <a:chExt cx="9937751" cy="3657738"/>
           </a:xfrm>
         </p:grpSpPr>
         <p:pic>
@@ -3494,13 +3499,13 @@
                 </a:ext>
               </a:extLst>
             </a:blip>
-            <a:srcRect l="1312" t="1471" r="5118"/>
+            <a:srcRect l="927" t="1471" r="4356"/>
             <a:stretch/>
           </p:blipFill>
           <p:spPr>
             <a:xfrm>
-              <a:off x="5526156" y="1822312"/>
-              <a:ext cx="4554573" cy="3319669"/>
+              <a:off x="901700" y="1825625"/>
+              <a:ext cx="5080000" cy="3657738"/>
             </a:xfrm>
             <a:prstGeom prst="rect">
               <a:avLst/>
@@ -3534,13 +3539,13 @@
                 </a:ext>
               </a:extLst>
             </a:blip>
-            <a:srcRect t="1458" r="12931" b="3520"/>
+            <a:srcRect t="1458" r="10131" b="3520"/>
             <a:stretch/>
           </p:blipFill>
           <p:spPr>
             <a:xfrm>
-              <a:off x="838199" y="1822312"/>
-              <a:ext cx="4687957" cy="3657738"/>
+              <a:off x="6000750" y="1825625"/>
+              <a:ext cx="4838701" cy="3657738"/>
             </a:xfrm>
             <a:prstGeom prst="rect">
               <a:avLst/>
